--- a/ASD 2/tugas 1/223220066 - arbai.pptx
+++ b/ASD 2/tugas 1/223220066 - arbai.pptx
@@ -113,6 +113,11 @@
       </a:defRPr>
     </a:lvl9pPr>
   </p:defaultTextStyle>
+  <p:extLst>
+    <p:ext uri="{EFAFB233-063F-42B5-8137-9DF3F51BA10A}">
+      <p15:sldGuideLst xmlns:p15="http://schemas.microsoft.com/office/powerpoint/2012/main"/>
+    </p:ext>
+  </p:extLst>
 </p:presentation>
 </file>
 
@@ -302,7 +307,7 @@
           <a:p>
             <a:fld id="{4AAD347D-5ACD-4C99-B74B-A9C85AD731AF}" type="datetimeFigureOut">
               <a:rPr lang="en-US" dirty="0"/>
-              <a:t>3/24/2023</a:t>
+              <a:t>3/28/2023</a:t>
             </a:fld>
             <a:endParaRPr lang="en-US" dirty="0"/>
           </a:p>
@@ -572,7 +577,7 @@
           <a:p>
             <a:fld id="{4509A250-FF31-4206-8172-F9D3106AACB1}" type="datetimeFigureOut">
               <a:rPr lang="en-US" dirty="0"/>
-              <a:t>3/24/2023</a:t>
+              <a:t>3/28/2023</a:t>
             </a:fld>
             <a:endParaRPr lang="en-US" dirty="0"/>
           </a:p>
@@ -761,7 +766,7 @@
           <a:p>
             <a:fld id="{4509A250-FF31-4206-8172-F9D3106AACB1}" type="datetimeFigureOut">
               <a:rPr lang="en-US" dirty="0"/>
-              <a:t>3/24/2023</a:t>
+              <a:t>3/28/2023</a:t>
             </a:fld>
             <a:endParaRPr lang="en-US" dirty="0"/>
           </a:p>
@@ -1029,7 +1034,7 @@
           <a:p>
             <a:fld id="{4509A250-FF31-4206-8172-F9D3106AACB1}" type="datetimeFigureOut">
               <a:rPr lang="en-US" dirty="0"/>
-              <a:t>3/24/2023</a:t>
+              <a:t>3/28/2023</a:t>
             </a:fld>
             <a:endParaRPr lang="en-US" dirty="0"/>
           </a:p>
@@ -1365,7 +1370,7 @@
           <a:p>
             <a:fld id="{4509A250-FF31-4206-8172-F9D3106AACB1}" type="datetimeFigureOut">
               <a:rPr lang="en-US" dirty="0"/>
-              <a:t>3/24/2023</a:t>
+              <a:t>3/28/2023</a:t>
             </a:fld>
             <a:endParaRPr lang="en-US" dirty="0"/>
           </a:p>
@@ -1983,7 +1988,7 @@
           <a:p>
             <a:fld id="{4509A250-FF31-4206-8172-F9D3106AACB1}" type="datetimeFigureOut">
               <a:rPr lang="en-US" dirty="0"/>
-              <a:t>3/24/2023</a:t>
+              <a:t>3/28/2023</a:t>
             </a:fld>
             <a:endParaRPr lang="en-US" dirty="0"/>
           </a:p>
@@ -2838,7 +2843,7 @@
           <a:p>
             <a:fld id="{4509A250-FF31-4206-8172-F9D3106AACB1}" type="datetimeFigureOut">
               <a:rPr lang="en-US" dirty="0"/>
-              <a:t>3/24/2023</a:t>
+              <a:t>3/28/2023</a:t>
             </a:fld>
             <a:endParaRPr lang="en-US" dirty="0"/>
           </a:p>
@@ -3003,7 +3008,7 @@
           <a:p>
             <a:fld id="{4509A250-FF31-4206-8172-F9D3106AACB1}" type="datetimeFigureOut">
               <a:rPr lang="en-US" dirty="0"/>
-              <a:t>3/24/2023</a:t>
+              <a:t>3/28/2023</a:t>
             </a:fld>
             <a:endParaRPr lang="en-US" dirty="0"/>
           </a:p>
@@ -3178,7 +3183,7 @@
           <a:p>
             <a:fld id="{4509A250-FF31-4206-8172-F9D3106AACB1}" type="datetimeFigureOut">
               <a:rPr lang="en-US" dirty="0"/>
-              <a:t>3/24/2023</a:t>
+              <a:t>3/28/2023</a:t>
             </a:fld>
             <a:endParaRPr lang="en-US" dirty="0"/>
           </a:p>
@@ -3343,7 +3348,7 @@
           <a:p>
             <a:fld id="{4509A250-FF31-4206-8172-F9D3106AACB1}" type="datetimeFigureOut">
               <a:rPr lang="en-US" dirty="0"/>
-              <a:t>3/24/2023</a:t>
+              <a:t>3/28/2023</a:t>
             </a:fld>
             <a:endParaRPr lang="en-US" dirty="0"/>
           </a:p>
@@ -3585,7 +3590,7 @@
           <a:p>
             <a:fld id="{9796027F-7875-4030-9381-8BD8C4F21935}" type="datetimeFigureOut">
               <a:rPr lang="en-US" dirty="0"/>
-              <a:t>3/24/2023</a:t>
+              <a:t>3/28/2023</a:t>
             </a:fld>
             <a:endParaRPr lang="en-US" dirty="0"/>
           </a:p>
@@ -3872,7 +3877,7 @@
           <a:p>
             <a:fld id="{9796027F-7875-4030-9381-8BD8C4F21935}" type="datetimeFigureOut">
               <a:rPr lang="en-US" dirty="0"/>
-              <a:t>3/24/2023</a:t>
+              <a:t>3/28/2023</a:t>
             </a:fld>
             <a:endParaRPr lang="en-US" dirty="0"/>
           </a:p>
@@ -4311,7 +4316,7 @@
           <a:p>
             <a:fld id="{9796027F-7875-4030-9381-8BD8C4F21935}" type="datetimeFigureOut">
               <a:rPr lang="en-US" dirty="0"/>
-              <a:t>3/24/2023</a:t>
+              <a:t>3/28/2023</a:t>
             </a:fld>
             <a:endParaRPr lang="en-US" dirty="0"/>
           </a:p>
@@ -4424,7 +4429,7 @@
           <a:p>
             <a:fld id="{4509A250-FF31-4206-8172-F9D3106AACB1}" type="datetimeFigureOut">
               <a:rPr lang="en-US" dirty="0"/>
-              <a:t>3/24/2023</a:t>
+              <a:t>3/28/2023</a:t>
             </a:fld>
             <a:endParaRPr lang="en-US" dirty="0"/>
           </a:p>
@@ -4514,7 +4519,7 @@
           <a:p>
             <a:fld id="{4509A250-FF31-4206-8172-F9D3106AACB1}" type="datetimeFigureOut">
               <a:rPr lang="en-US" dirty="0"/>
-              <a:t>3/24/2023</a:t>
+              <a:t>3/28/2023</a:t>
             </a:fld>
             <a:endParaRPr lang="en-US" dirty="0"/>
           </a:p>
@@ -4788,7 +4793,7 @@
           <a:p>
             <a:fld id="{4509A250-FF31-4206-8172-F9D3106AACB1}" type="datetimeFigureOut">
               <a:rPr lang="en-US" dirty="0"/>
-              <a:t>3/24/2023</a:t>
+              <a:t>3/28/2023</a:t>
             </a:fld>
             <a:endParaRPr lang="en-US" dirty="0"/>
           </a:p>
@@ -5058,7 +5063,7 @@
           <a:p>
             <a:fld id="{4509A250-FF31-4206-8172-F9D3106AACB1}" type="datetimeFigureOut">
               <a:rPr lang="en-US" dirty="0"/>
-              <a:t>3/24/2023</a:t>
+              <a:t>3/28/2023</a:t>
             </a:fld>
             <a:endParaRPr lang="en-US" dirty="0"/>
           </a:p>
@@ -5482,7 +5487,7 @@
           <a:p>
             <a:fld id="{4AAD347D-5ACD-4C99-B74B-A9C85AD731AF}" type="datetimeFigureOut">
               <a:rPr lang="en-US" dirty="0"/>
-              <a:t>3/24/2023</a:t>
+              <a:t>3/28/2023</a:t>
             </a:fld>
             <a:endParaRPr lang="en-US" dirty="0"/>
           </a:p>
@@ -6124,6 +6129,18 @@
           </a:p>
           <a:p>
             <a:pPr algn="ctr"/>
+            <a:r>
+              <a:rPr lang="en-GB"/>
+              <a:t>ARGIUS </a:t>
+            </a:r>
+            <a:r>
+              <a:rPr lang="en-GB" smtClean="0"/>
+              <a:t>DARSANDI - </a:t>
+            </a:r>
+            <a:r>
+              <a:rPr lang="en-GB"/>
+              <a:t>223220091</a:t>
+            </a:r>
             <a:endParaRPr lang="en-US" dirty="0" smtClean="0"/>
           </a:p>
           <a:p>
